--- a/BiR Intro to AI Slides/BiR Intro to AI TA Slides.pptx
+++ b/BiR Intro to AI Slides/BiR Intro to AI TA Slides.pptx
@@ -34,6 +34,16 @@
     <p:sldId id="280" r:id="rId28"/>
     <p:sldId id="281" r:id="rId29"/>
     <p:sldId id="282" r:id="rId30"/>
+    <p:sldId id="285" r:id="rId31"/>
+    <p:sldId id="286" r:id="rId32"/>
+    <p:sldId id="287" r:id="rId33"/>
+    <p:sldId id="288" r:id="rId34"/>
+    <p:sldId id="291" r:id="rId35"/>
+    <p:sldId id="289" r:id="rId36"/>
+    <p:sldId id="290" r:id="rId37"/>
+    <p:sldId id="294" r:id="rId38"/>
+    <p:sldId id="292" r:id="rId39"/>
+    <p:sldId id="293" r:id="rId40"/>
   </p:sldIdLst>
   <p:sldSz cx="12192000" cy="6858000"/>
   <p:notesSz cx="6858000" cy="9144000"/>
@@ -132,7 +142,69 @@
       </a:defRPr>
     </a:lvl9pPr>
   </p:defaultTextStyle>
+  <p:extLst>
+    <p:ext uri="{EFAFB233-063F-42B5-8137-9DF3F51BA10A}">
+      <p15:sldGuideLst xmlns:p15="http://schemas.microsoft.com/office/powerpoint/2012/main"/>
+    </p:ext>
+  </p:extLst>
 </p:presentation>
+</file>
+
+<file path=ppt/ink/ink1.xml><?xml version="1.0" encoding="utf-8"?>
+<inkml:ink xmlns:inkml="http://www.w3.org/2003/InkML">
+  <inkml:definitions>
+    <inkml:context xml:id="ctx0">
+      <inkml:inkSource xml:id="inkSrc0">
+        <inkml:traceFormat>
+          <inkml:channel name="X" type="integer" min="-2.14748E9" max="2.14748E9" units="cm"/>
+          <inkml:channel name="Y" type="integer" min="-2.14748E9" max="2.14748E9" units="cm"/>
+          <inkml:channel name="F" type="integer" max="32767" units="dev"/>
+        </inkml:traceFormat>
+        <inkml:channelProperties>
+          <inkml:channelProperty channel="X" name="resolution" value="1000" units="1/cm"/>
+          <inkml:channelProperty channel="Y" name="resolution" value="1000" units="1/cm"/>
+          <inkml:channelProperty channel="F" name="resolution" value="0" units="1/dev"/>
+        </inkml:channelProperties>
+      </inkml:inkSource>
+      <inkml:timestamp xml:id="ts0" timeString="2023-11-19T17:30:14.526"/>
+    </inkml:context>
+    <inkml:brush xml:id="br0">
+      <inkml:brushProperty name="width" value="0.05" units="cm"/>
+      <inkml:brushProperty name="height" value="0.05" units="cm"/>
+      <inkml:brushProperty name="color" value="#E71224"/>
+    </inkml:brush>
+  </inkml:definitions>
+  <inkml:trace contextRef="#ctx0" brushRef="#br0">1 1 24575,'0'0'-8191</inkml:trace>
+</inkml:ink>
+</file>
+
+<file path=ppt/ink/ink2.xml><?xml version="1.0" encoding="utf-8"?>
+<inkml:ink xmlns:inkml="http://www.w3.org/2003/InkML">
+  <inkml:definitions>
+    <inkml:context xml:id="ctx0">
+      <inkml:inkSource xml:id="inkSrc0">
+        <inkml:traceFormat>
+          <inkml:channel name="X" type="integer" min="-2.14748E9" max="2.14748E9" units="cm"/>
+          <inkml:channel name="Y" type="integer" min="-2.14748E9" max="2.14748E9" units="cm"/>
+          <inkml:channel name="F" type="integer" max="32767" units="dev"/>
+        </inkml:traceFormat>
+        <inkml:channelProperties>
+          <inkml:channelProperty channel="X" name="resolution" value="1000" units="1/cm"/>
+          <inkml:channelProperty channel="Y" name="resolution" value="1000" units="1/cm"/>
+          <inkml:channelProperty channel="F" name="resolution" value="0" units="1/dev"/>
+        </inkml:channelProperties>
+      </inkml:inkSource>
+      <inkml:timestamp xml:id="ts0" timeString="2023-11-19T17:30:14.917"/>
+    </inkml:context>
+    <inkml:brush xml:id="br0">
+      <inkml:brushProperty name="width" value="0.05" units="cm"/>
+      <inkml:brushProperty name="height" value="0.05" units="cm"/>
+      <inkml:brushProperty name="color" value="#E71224"/>
+    </inkml:brush>
+  </inkml:definitions>
+  <inkml:trace contextRef="#ctx0" brushRef="#br0">1 1 24575,'0'0'-8191</inkml:trace>
+  <inkml:trace contextRef="#ctx0" brushRef="#br0" timeOffset="1">1 1 24575,'0'0'-8191</inkml:trace>
+</inkml:ink>
 </file>
 
 <file path=ppt/slideLayouts/slideLayout1.xml><?xml version="1.0" encoding="utf-8"?>
@@ -282,7 +354,7 @@
           <a:p>
             <a:fld id="{DBFDE17C-C988-4570-947B-DDA07D335E51}" type="datetimeFigureOut">
               <a:rPr lang="en-US" smtClean="0"/>
-              <a:t>8/20/2023</a:t>
+              <a:t>11/19/2023</a:t>
             </a:fld>
             <a:endParaRPr lang="en-US"/>
           </a:p>
@@ -480,7 +552,7 @@
           <a:p>
             <a:fld id="{DBFDE17C-C988-4570-947B-DDA07D335E51}" type="datetimeFigureOut">
               <a:rPr lang="en-US" smtClean="0"/>
-              <a:t>8/20/2023</a:t>
+              <a:t>11/19/2023</a:t>
             </a:fld>
             <a:endParaRPr lang="en-US"/>
           </a:p>
@@ -688,7 +760,7 @@
           <a:p>
             <a:fld id="{DBFDE17C-C988-4570-947B-DDA07D335E51}" type="datetimeFigureOut">
               <a:rPr lang="en-US" smtClean="0"/>
-              <a:t>8/20/2023</a:t>
+              <a:t>11/19/2023</a:t>
             </a:fld>
             <a:endParaRPr lang="en-US"/>
           </a:p>
@@ -886,7 +958,7 @@
           <a:p>
             <a:fld id="{DBFDE17C-C988-4570-947B-DDA07D335E51}" type="datetimeFigureOut">
               <a:rPr lang="en-US" smtClean="0"/>
-              <a:t>8/20/2023</a:t>
+              <a:t>11/19/2023</a:t>
             </a:fld>
             <a:endParaRPr lang="en-US"/>
           </a:p>
@@ -1161,7 +1233,7 @@
           <a:p>
             <a:fld id="{DBFDE17C-C988-4570-947B-DDA07D335E51}" type="datetimeFigureOut">
               <a:rPr lang="en-US" smtClean="0"/>
-              <a:t>8/20/2023</a:t>
+              <a:t>11/19/2023</a:t>
             </a:fld>
             <a:endParaRPr lang="en-US"/>
           </a:p>
@@ -1426,7 +1498,7 @@
           <a:p>
             <a:fld id="{DBFDE17C-C988-4570-947B-DDA07D335E51}" type="datetimeFigureOut">
               <a:rPr lang="en-US" smtClean="0"/>
-              <a:t>8/20/2023</a:t>
+              <a:t>11/19/2023</a:t>
             </a:fld>
             <a:endParaRPr lang="en-US"/>
           </a:p>
@@ -1838,7 +1910,7 @@
           <a:p>
             <a:fld id="{DBFDE17C-C988-4570-947B-DDA07D335E51}" type="datetimeFigureOut">
               <a:rPr lang="en-US" smtClean="0"/>
-              <a:t>8/20/2023</a:t>
+              <a:t>11/19/2023</a:t>
             </a:fld>
             <a:endParaRPr lang="en-US"/>
           </a:p>
@@ -1979,7 +2051,7 @@
           <a:p>
             <a:fld id="{DBFDE17C-C988-4570-947B-DDA07D335E51}" type="datetimeFigureOut">
               <a:rPr lang="en-US" smtClean="0"/>
-              <a:t>8/20/2023</a:t>
+              <a:t>11/19/2023</a:t>
             </a:fld>
             <a:endParaRPr lang="en-US"/>
           </a:p>
@@ -2092,7 +2164,7 @@
           <a:p>
             <a:fld id="{DBFDE17C-C988-4570-947B-DDA07D335E51}" type="datetimeFigureOut">
               <a:rPr lang="en-US" smtClean="0"/>
-              <a:t>8/20/2023</a:t>
+              <a:t>11/19/2023</a:t>
             </a:fld>
             <a:endParaRPr lang="en-US"/>
           </a:p>
@@ -2403,7 +2475,7 @@
           <a:p>
             <a:fld id="{DBFDE17C-C988-4570-947B-DDA07D335E51}" type="datetimeFigureOut">
               <a:rPr lang="en-US" smtClean="0"/>
-              <a:t>8/20/2023</a:t>
+              <a:t>11/19/2023</a:t>
             </a:fld>
             <a:endParaRPr lang="en-US"/>
           </a:p>
@@ -2691,7 +2763,7 @@
           <a:p>
             <a:fld id="{DBFDE17C-C988-4570-947B-DDA07D335E51}" type="datetimeFigureOut">
               <a:rPr lang="en-US" smtClean="0"/>
-              <a:t>8/20/2023</a:t>
+              <a:t>11/19/2023</a:t>
             </a:fld>
             <a:endParaRPr lang="en-US"/>
           </a:p>
@@ -2932,7 +3004,7 @@
           <a:p>
             <a:fld id="{DBFDE17C-C988-4570-947B-DDA07D335E51}" type="datetimeFigureOut">
               <a:rPr lang="en-US" smtClean="0"/>
-              <a:t>8/20/2023</a:t>
+              <a:t>11/19/2023</a:t>
             </a:fld>
             <a:endParaRPr lang="en-US"/>
           </a:p>
@@ -8201,6 +8273,1634 @@
 </p:sld>
 </file>
 
+<file path=ppt/slides/slide30.xml><?xml version="1.0" encoding="utf-8"?>
+<p:sld xmlns:a="http://schemas.openxmlformats.org/drawingml/2006/main" xmlns:r="http://schemas.openxmlformats.org/officeDocument/2006/relationships" xmlns:p="http://schemas.openxmlformats.org/presentationml/2006/main">
+  <p:cSld>
+    <p:spTree>
+      <p:nvGrpSpPr>
+        <p:cNvPr id="1" name=""/>
+        <p:cNvGrpSpPr/>
+        <p:nvPr/>
+      </p:nvGrpSpPr>
+      <p:grpSpPr>
+        <a:xfrm>
+          <a:off x="0" y="0"/>
+          <a:ext cx="0" cy="0"/>
+          <a:chOff x="0" y="0"/>
+          <a:chExt cx="0" cy="0"/>
+        </a:xfrm>
+      </p:grpSpPr>
+      <p:sp>
+        <p:nvSpPr>
+          <p:cNvPr id="2" name="Title 1">
+            <a:extLst>
+              <a:ext uri="{FF2B5EF4-FFF2-40B4-BE49-F238E27FC236}">
+                <a16:creationId xmlns:a16="http://schemas.microsoft.com/office/drawing/2014/main" id="{5F998F5F-84E2-B26A-A887-7E70959B726A}"/>
+              </a:ext>
+            </a:extLst>
+          </p:cNvPr>
+          <p:cNvSpPr>
+            <a:spLocks noGrp="1"/>
+          </p:cNvSpPr>
+          <p:nvPr>
+            <p:ph type="title"/>
+          </p:nvPr>
+        </p:nvSpPr>
+        <p:spPr/>
+        <p:txBody>
+          <a:bodyPr/>
+          <a:lstStyle/>
+          <a:p>
+            <a:r>
+              <a:rPr lang="en-US" dirty="0"/>
+              <a:t>Session 5: Designing a Robot Controller </a:t>
+            </a:r>
+          </a:p>
+        </p:txBody>
+      </p:sp>
+      <p:sp>
+        <p:nvSpPr>
+          <p:cNvPr id="3" name="Content Placeholder 2">
+            <a:extLst>
+              <a:ext uri="{FF2B5EF4-FFF2-40B4-BE49-F238E27FC236}">
+                <a16:creationId xmlns:a16="http://schemas.microsoft.com/office/drawing/2014/main" id="{A611E986-94ED-7C34-B2A8-131B3D7EFE6F}"/>
+              </a:ext>
+            </a:extLst>
+          </p:cNvPr>
+          <p:cNvSpPr>
+            <a:spLocks noGrp="1"/>
+          </p:cNvSpPr>
+          <p:nvPr>
+            <p:ph idx="1"/>
+          </p:nvPr>
+        </p:nvSpPr>
+        <p:spPr/>
+        <p:txBody>
+          <a:bodyPr/>
+          <a:lstStyle/>
+          <a:p>
+            <a:r>
+              <a:rPr lang="en-US" dirty="0"/>
+              <a:t>Now that we can solve the maze, we must find a way to convert that solution into commands that the robot can understand </a:t>
+            </a:r>
+          </a:p>
+          <a:p>
+            <a:endParaRPr lang="en-US" dirty="0"/>
+          </a:p>
+          <a:p>
+            <a:r>
+              <a:rPr lang="en-US" dirty="0"/>
+              <a:t>Navigate to robot_controller.py</a:t>
+            </a:r>
+          </a:p>
+          <a:p>
+            <a:endParaRPr lang="en-US" dirty="0"/>
+          </a:p>
+          <a:p>
+            <a:pPr marL="0" indent="0">
+              <a:buNone/>
+            </a:pPr>
+            <a:endParaRPr lang="en-US" dirty="0"/>
+          </a:p>
+        </p:txBody>
+      </p:sp>
+      <p:pic>
+        <p:nvPicPr>
+          <p:cNvPr id="5" name="Picture 4" descr="A cartoon of a robot holding a book&#10;&#10;Description automatically generated">
+            <a:extLst>
+              <a:ext uri="{FF2B5EF4-FFF2-40B4-BE49-F238E27FC236}">
+                <a16:creationId xmlns:a16="http://schemas.microsoft.com/office/drawing/2014/main" id="{90D80416-4C5D-97C3-8503-DF241613E09B}"/>
+              </a:ext>
+            </a:extLst>
+          </p:cNvPr>
+          <p:cNvPicPr>
+            <a:picLocks noChangeAspect="1"/>
+          </p:cNvPicPr>
+          <p:nvPr/>
+        </p:nvPicPr>
+        <p:blipFill>
+          <a:blip r:embed="rId2">
+            <a:extLst>
+              <a:ext uri="{28A0092B-C50C-407E-A947-70E740481C1C}">
+                <a14:useLocalDpi xmlns:a14="http://schemas.microsoft.com/office/drawing/2010/main" val="0"/>
+              </a:ext>
+            </a:extLst>
+          </a:blip>
+          <a:stretch>
+            <a:fillRect/>
+          </a:stretch>
+        </p:blipFill>
+        <p:spPr>
+          <a:xfrm>
+            <a:off x="7155111" y="3261789"/>
+            <a:ext cx="2915174" cy="2915174"/>
+          </a:xfrm>
+          <a:prstGeom prst="rect">
+            <a:avLst/>
+          </a:prstGeom>
+        </p:spPr>
+      </p:pic>
+    </p:spTree>
+    <p:extLst>
+      <p:ext uri="{BB962C8B-B14F-4D97-AF65-F5344CB8AC3E}">
+        <p14:creationId xmlns:p14="http://schemas.microsoft.com/office/powerpoint/2010/main" val="1848803752"/>
+      </p:ext>
+    </p:extLst>
+  </p:cSld>
+  <p:clrMapOvr>
+    <a:masterClrMapping/>
+  </p:clrMapOvr>
+</p:sld>
+</file>
+
+<file path=ppt/slides/slide31.xml><?xml version="1.0" encoding="utf-8"?>
+<p:sld xmlns:a="http://schemas.openxmlformats.org/drawingml/2006/main" xmlns:r="http://schemas.openxmlformats.org/officeDocument/2006/relationships" xmlns:p="http://schemas.openxmlformats.org/presentationml/2006/main">
+  <p:cSld>
+    <p:spTree>
+      <p:nvGrpSpPr>
+        <p:cNvPr id="1" name=""/>
+        <p:cNvGrpSpPr/>
+        <p:nvPr/>
+      </p:nvGrpSpPr>
+      <p:grpSpPr>
+        <a:xfrm>
+          <a:off x="0" y="0"/>
+          <a:ext cx="0" cy="0"/>
+          <a:chOff x="0" y="0"/>
+          <a:chExt cx="0" cy="0"/>
+        </a:xfrm>
+      </p:grpSpPr>
+      <p:sp>
+        <p:nvSpPr>
+          <p:cNvPr id="2" name="Title 1">
+            <a:extLst>
+              <a:ext uri="{FF2B5EF4-FFF2-40B4-BE49-F238E27FC236}">
+                <a16:creationId xmlns:a16="http://schemas.microsoft.com/office/drawing/2014/main" id="{0827B799-BD3C-81F5-79F7-C78D259FD1AA}"/>
+              </a:ext>
+            </a:extLst>
+          </p:cNvPr>
+          <p:cNvSpPr>
+            <a:spLocks noGrp="1"/>
+          </p:cNvSpPr>
+          <p:nvPr>
+            <p:ph type="title"/>
+          </p:nvPr>
+        </p:nvSpPr>
+        <p:spPr/>
+        <p:txBody>
+          <a:bodyPr/>
+          <a:lstStyle/>
+          <a:p>
+            <a:r>
+              <a:rPr lang="en-US" dirty="0"/>
+              <a:t>What we need to figure out </a:t>
+            </a:r>
+          </a:p>
+        </p:txBody>
+      </p:sp>
+      <p:sp>
+        <p:nvSpPr>
+          <p:cNvPr id="3" name="Content Placeholder 2">
+            <a:extLst>
+              <a:ext uri="{FF2B5EF4-FFF2-40B4-BE49-F238E27FC236}">
+                <a16:creationId xmlns:a16="http://schemas.microsoft.com/office/drawing/2014/main" id="{0E4E6427-E7B1-FD81-4C1A-0CCDDE4D1874}"/>
+              </a:ext>
+            </a:extLst>
+          </p:cNvPr>
+          <p:cNvSpPr>
+            <a:spLocks noGrp="1"/>
+          </p:cNvSpPr>
+          <p:nvPr>
+            <p:ph idx="1"/>
+          </p:nvPr>
+        </p:nvSpPr>
+        <p:spPr/>
+        <p:txBody>
+          <a:bodyPr/>
+          <a:lstStyle/>
+          <a:p>
+            <a:pPr marL="0" indent="0">
+              <a:buNone/>
+            </a:pPr>
+            <a:r>
+              <a:rPr lang="en-US" dirty="0"/>
+              <a:t>How far does the robot need to travel ? </a:t>
+            </a:r>
+          </a:p>
+          <a:p>
+            <a:pPr marL="0" indent="0">
+              <a:buNone/>
+            </a:pPr>
+            <a:r>
+              <a:rPr lang="en-US" dirty="0"/>
+              <a:t>How to tell the robot to turn ?</a:t>
+            </a:r>
+          </a:p>
+        </p:txBody>
+      </p:sp>
+    </p:spTree>
+    <p:extLst>
+      <p:ext uri="{BB962C8B-B14F-4D97-AF65-F5344CB8AC3E}">
+        <p14:creationId xmlns:p14="http://schemas.microsoft.com/office/powerpoint/2010/main" val="2502786003"/>
+      </p:ext>
+    </p:extLst>
+  </p:cSld>
+  <p:clrMapOvr>
+    <a:masterClrMapping/>
+  </p:clrMapOvr>
+</p:sld>
+</file>
+
+<file path=ppt/slides/slide32.xml><?xml version="1.0" encoding="utf-8"?>
+<p:sld xmlns:a="http://schemas.openxmlformats.org/drawingml/2006/main" xmlns:r="http://schemas.openxmlformats.org/officeDocument/2006/relationships" xmlns:p="http://schemas.openxmlformats.org/presentationml/2006/main">
+  <p:cSld>
+    <p:spTree>
+      <p:nvGrpSpPr>
+        <p:cNvPr id="1" name=""/>
+        <p:cNvGrpSpPr/>
+        <p:nvPr/>
+      </p:nvGrpSpPr>
+      <p:grpSpPr>
+        <a:xfrm>
+          <a:off x="0" y="0"/>
+          <a:ext cx="0" cy="0"/>
+          <a:chOff x="0" y="0"/>
+          <a:chExt cx="0" cy="0"/>
+        </a:xfrm>
+      </p:grpSpPr>
+      <p:sp>
+        <p:nvSpPr>
+          <p:cNvPr id="2" name="Title 1">
+            <a:extLst>
+              <a:ext uri="{FF2B5EF4-FFF2-40B4-BE49-F238E27FC236}">
+                <a16:creationId xmlns:a16="http://schemas.microsoft.com/office/drawing/2014/main" id="{2B79616A-F688-A086-CAB1-A9AB81E8B184}"/>
+              </a:ext>
+            </a:extLst>
+          </p:cNvPr>
+          <p:cNvSpPr>
+            <a:spLocks noGrp="1"/>
+          </p:cNvSpPr>
+          <p:nvPr>
+            <p:ph type="title"/>
+          </p:nvPr>
+        </p:nvSpPr>
+        <p:spPr/>
+        <p:txBody>
+          <a:bodyPr/>
+          <a:lstStyle/>
+          <a:p>
+            <a:r>
+              <a:rPr lang="en-US" dirty="0"/>
+              <a:t>How Far Is Too Far?</a:t>
+            </a:r>
+          </a:p>
+        </p:txBody>
+      </p:sp>
+      <p:pic>
+        <p:nvPicPr>
+          <p:cNvPr id="6" name="Picture 5">
+            <a:extLst>
+              <a:ext uri="{FF2B5EF4-FFF2-40B4-BE49-F238E27FC236}">
+                <a16:creationId xmlns:a16="http://schemas.microsoft.com/office/drawing/2014/main" id="{7A3FFC73-81E1-58D4-7004-E51A9BC349F2}"/>
+              </a:ext>
+            </a:extLst>
+          </p:cNvPr>
+          <p:cNvPicPr>
+            <a:picLocks noChangeAspect="1"/>
+          </p:cNvPicPr>
+          <p:nvPr/>
+        </p:nvPicPr>
+        <p:blipFill>
+          <a:blip r:embed="rId2"/>
+          <a:stretch>
+            <a:fillRect/>
+          </a:stretch>
+        </p:blipFill>
+        <p:spPr>
+          <a:xfrm>
+            <a:off x="540435" y="2223347"/>
+            <a:ext cx="3331440" cy="3437465"/>
+          </a:xfrm>
+          <a:prstGeom prst="rect">
+            <a:avLst/>
+          </a:prstGeom>
+        </p:spPr>
+      </p:pic>
+      <p:pic>
+        <p:nvPicPr>
+          <p:cNvPr id="8" name="Picture 7">
+            <a:extLst>
+              <a:ext uri="{FF2B5EF4-FFF2-40B4-BE49-F238E27FC236}">
+                <a16:creationId xmlns:a16="http://schemas.microsoft.com/office/drawing/2014/main" id="{337803C7-CCB3-60AA-3620-642006C21518}"/>
+              </a:ext>
+            </a:extLst>
+          </p:cNvPr>
+          <p:cNvPicPr>
+            <a:picLocks noChangeAspect="1"/>
+          </p:cNvPicPr>
+          <p:nvPr/>
+        </p:nvPicPr>
+        <p:blipFill>
+          <a:blip r:embed="rId3"/>
+          <a:stretch>
+            <a:fillRect/>
+          </a:stretch>
+        </p:blipFill>
+        <p:spPr>
+          <a:xfrm>
+            <a:off x="4319826" y="2187471"/>
+            <a:ext cx="5397784" cy="3383278"/>
+          </a:xfrm>
+          <a:prstGeom prst="rect">
+            <a:avLst/>
+          </a:prstGeom>
+        </p:spPr>
+      </p:pic>
+      <p:grpSp>
+        <p:nvGrpSpPr>
+          <p:cNvPr id="11" name="Group 10">
+            <a:extLst>
+              <a:ext uri="{FF2B5EF4-FFF2-40B4-BE49-F238E27FC236}">
+                <a16:creationId xmlns:a16="http://schemas.microsoft.com/office/drawing/2014/main" id="{B55AA45A-757E-901B-5572-F3E9655BE6AA}"/>
+              </a:ext>
+            </a:extLst>
+          </p:cNvPr>
+          <p:cNvGrpSpPr/>
+          <p:nvPr/>
+        </p:nvGrpSpPr>
+        <p:grpSpPr>
+          <a:xfrm>
+            <a:off x="4754480" y="683693"/>
+            <a:ext cx="360" cy="360"/>
+            <a:chOff x="4754480" y="683693"/>
+            <a:chExt cx="360" cy="360"/>
+          </a:xfrm>
+        </p:grpSpPr>
+        <mc:AlternateContent xmlns:mc="http://schemas.openxmlformats.org/markup-compatibility/2006">
+          <mc:Choice xmlns:p14="http://schemas.microsoft.com/office/powerpoint/2010/main" Requires="p14">
+            <p:contentPart p14:bwMode="auto" r:id="rId4">
+              <p14:nvContentPartPr>
+                <p14:cNvPr id="9" name="Ink 8">
+                  <a:extLst>
+                    <a:ext uri="{FF2B5EF4-FFF2-40B4-BE49-F238E27FC236}">
+                      <a16:creationId xmlns:a16="http://schemas.microsoft.com/office/drawing/2014/main" id="{89AFBCF1-DE68-0619-07EF-6612ABD7160B}"/>
+                    </a:ext>
+                  </a:extLst>
+                </p14:cNvPr>
+                <p14:cNvContentPartPr/>
+                <p14:nvPr/>
+              </p14:nvContentPartPr>
+              <p14:xfrm>
+                <a:off x="4754480" y="683693"/>
+                <a:ext cx="360" cy="360"/>
+              </p14:xfrm>
+            </p:contentPart>
+          </mc:Choice>
+          <mc:Fallback>
+            <p:pic>
+              <p:nvPicPr>
+                <p:cNvPr id="9" name="Ink 8">
+                  <a:extLst>
+                    <a:ext uri="{FF2B5EF4-FFF2-40B4-BE49-F238E27FC236}">
+                      <a16:creationId xmlns:a16="http://schemas.microsoft.com/office/drawing/2014/main" id="{89AFBCF1-DE68-0619-07EF-6612ABD7160B}"/>
+                    </a:ext>
+                  </a:extLst>
+                </p:cNvPr>
+                <p:cNvPicPr/>
+                <p:nvPr/>
+              </p:nvPicPr>
+              <p:blipFill>
+                <a:blip r:embed="rId5"/>
+                <a:stretch>
+                  <a:fillRect/>
+                </a:stretch>
+              </p:blipFill>
+              <p:spPr>
+                <a:xfrm>
+                  <a:off x="4745840" y="675053"/>
+                  <a:ext cx="18000" cy="18000"/>
+                </a:xfrm>
+                <a:prstGeom prst="rect">
+                  <a:avLst/>
+                </a:prstGeom>
+              </p:spPr>
+            </p:pic>
+          </mc:Fallback>
+        </mc:AlternateContent>
+        <mc:AlternateContent xmlns:mc="http://schemas.openxmlformats.org/markup-compatibility/2006">
+          <mc:Choice xmlns:p14="http://schemas.microsoft.com/office/powerpoint/2010/main" Requires="p14">
+            <p:contentPart p14:bwMode="auto" r:id="rId6">
+              <p14:nvContentPartPr>
+                <p14:cNvPr id="10" name="Ink 9">
+                  <a:extLst>
+                    <a:ext uri="{FF2B5EF4-FFF2-40B4-BE49-F238E27FC236}">
+                      <a16:creationId xmlns:a16="http://schemas.microsoft.com/office/drawing/2014/main" id="{4B740B47-8B0B-3D59-21C7-123D3AF04E0F}"/>
+                    </a:ext>
+                  </a:extLst>
+                </p14:cNvPr>
+                <p14:cNvContentPartPr/>
+                <p14:nvPr/>
+              </p14:nvContentPartPr>
+              <p14:xfrm>
+                <a:off x="4754480" y="683693"/>
+                <a:ext cx="360" cy="360"/>
+              </p14:xfrm>
+            </p:contentPart>
+          </mc:Choice>
+          <mc:Fallback>
+            <p:pic>
+              <p:nvPicPr>
+                <p:cNvPr id="10" name="Ink 9">
+                  <a:extLst>
+                    <a:ext uri="{FF2B5EF4-FFF2-40B4-BE49-F238E27FC236}">
+                      <a16:creationId xmlns:a16="http://schemas.microsoft.com/office/drawing/2014/main" id="{4B740B47-8B0B-3D59-21C7-123D3AF04E0F}"/>
+                    </a:ext>
+                  </a:extLst>
+                </p:cNvPr>
+                <p:cNvPicPr/>
+                <p:nvPr/>
+              </p:nvPicPr>
+              <p:blipFill>
+                <a:blip r:embed="rId7"/>
+                <a:stretch>
+                  <a:fillRect/>
+                </a:stretch>
+              </p:blipFill>
+              <p:spPr>
+                <a:xfrm>
+                  <a:off x="4745840" y="675053"/>
+                  <a:ext cx="18000" cy="18000"/>
+                </a:xfrm>
+                <a:prstGeom prst="rect">
+                  <a:avLst/>
+                </a:prstGeom>
+              </p:spPr>
+            </p:pic>
+          </mc:Fallback>
+        </mc:AlternateContent>
+      </p:grpSp>
+    </p:spTree>
+    <p:extLst>
+      <p:ext uri="{BB962C8B-B14F-4D97-AF65-F5344CB8AC3E}">
+        <p14:creationId xmlns:p14="http://schemas.microsoft.com/office/powerpoint/2010/main" val="382254761"/>
+      </p:ext>
+    </p:extLst>
+  </p:cSld>
+  <p:clrMapOvr>
+    <a:masterClrMapping/>
+  </p:clrMapOvr>
+</p:sld>
+</file>
+
+<file path=ppt/slides/slide33.xml><?xml version="1.0" encoding="utf-8"?>
+<p:sld xmlns:a="http://schemas.openxmlformats.org/drawingml/2006/main" xmlns:r="http://schemas.openxmlformats.org/officeDocument/2006/relationships" xmlns:p="http://schemas.openxmlformats.org/presentationml/2006/main">
+  <p:cSld>
+    <p:spTree>
+      <p:nvGrpSpPr>
+        <p:cNvPr id="1" name=""/>
+        <p:cNvGrpSpPr/>
+        <p:nvPr/>
+      </p:nvGrpSpPr>
+      <p:grpSpPr>
+        <a:xfrm>
+          <a:off x="0" y="0"/>
+          <a:ext cx="0" cy="0"/>
+          <a:chOff x="0" y="0"/>
+          <a:chExt cx="0" cy="0"/>
+        </a:xfrm>
+      </p:grpSpPr>
+      <p:sp>
+        <p:nvSpPr>
+          <p:cNvPr id="2" name="Title 1">
+            <a:extLst>
+              <a:ext uri="{FF2B5EF4-FFF2-40B4-BE49-F238E27FC236}">
+                <a16:creationId xmlns:a16="http://schemas.microsoft.com/office/drawing/2014/main" id="{D50BE6D8-A191-B108-66BE-9BC4D85B81A7}"/>
+              </a:ext>
+            </a:extLst>
+          </p:cNvPr>
+          <p:cNvSpPr>
+            <a:spLocks noGrp="1"/>
+          </p:cNvSpPr>
+          <p:nvPr>
+            <p:ph type="title"/>
+          </p:nvPr>
+        </p:nvSpPr>
+        <p:spPr/>
+        <p:txBody>
+          <a:bodyPr/>
+          <a:lstStyle/>
+          <a:p>
+            <a:endParaRPr lang="en-US"/>
+          </a:p>
+        </p:txBody>
+      </p:sp>
+      <p:pic>
+        <p:nvPicPr>
+          <p:cNvPr id="5" name="Content Placeholder 4">
+            <a:extLst>
+              <a:ext uri="{FF2B5EF4-FFF2-40B4-BE49-F238E27FC236}">
+                <a16:creationId xmlns:a16="http://schemas.microsoft.com/office/drawing/2014/main" id="{A60077F4-0B82-8B89-4194-058847651AB6}"/>
+              </a:ext>
+            </a:extLst>
+          </p:cNvPr>
+          <p:cNvPicPr>
+            <a:picLocks noGrp="1" noChangeAspect="1"/>
+          </p:cNvPicPr>
+          <p:nvPr>
+            <p:ph idx="1"/>
+          </p:nvPr>
+        </p:nvPicPr>
+        <p:blipFill>
+          <a:blip r:embed="rId2"/>
+          <a:stretch>
+            <a:fillRect/>
+          </a:stretch>
+        </p:blipFill>
+        <p:spPr>
+          <a:xfrm>
+            <a:off x="2624872" y="1825625"/>
+            <a:ext cx="6942255" cy="4351338"/>
+          </a:xfrm>
+        </p:spPr>
+      </p:pic>
+    </p:spTree>
+    <p:extLst>
+      <p:ext uri="{BB962C8B-B14F-4D97-AF65-F5344CB8AC3E}">
+        <p14:creationId xmlns:p14="http://schemas.microsoft.com/office/powerpoint/2010/main" val="871757731"/>
+      </p:ext>
+    </p:extLst>
+  </p:cSld>
+  <p:clrMapOvr>
+    <a:masterClrMapping/>
+  </p:clrMapOvr>
+</p:sld>
+</file>
+
+<file path=ppt/slides/slide34.xml><?xml version="1.0" encoding="utf-8"?>
+<p:sld xmlns:a="http://schemas.openxmlformats.org/drawingml/2006/main" xmlns:r="http://schemas.openxmlformats.org/officeDocument/2006/relationships" xmlns:p="http://schemas.openxmlformats.org/presentationml/2006/main">
+  <p:cSld>
+    <p:spTree>
+      <p:nvGrpSpPr>
+        <p:cNvPr id="1" name=""/>
+        <p:cNvGrpSpPr/>
+        <p:nvPr/>
+      </p:nvGrpSpPr>
+      <p:grpSpPr>
+        <a:xfrm>
+          <a:off x="0" y="0"/>
+          <a:ext cx="0" cy="0"/>
+          <a:chOff x="0" y="0"/>
+          <a:chExt cx="0" cy="0"/>
+        </a:xfrm>
+      </p:grpSpPr>
+      <p:sp>
+        <p:nvSpPr>
+          <p:cNvPr id="2" name="Title 1">
+            <a:extLst>
+              <a:ext uri="{FF2B5EF4-FFF2-40B4-BE49-F238E27FC236}">
+                <a16:creationId xmlns:a16="http://schemas.microsoft.com/office/drawing/2014/main" id="{2E63DA56-3EDF-5E91-D663-0EF2728A4FAB}"/>
+              </a:ext>
+            </a:extLst>
+          </p:cNvPr>
+          <p:cNvSpPr>
+            <a:spLocks noGrp="1"/>
+          </p:cNvSpPr>
+          <p:nvPr>
+            <p:ph type="title"/>
+          </p:nvPr>
+        </p:nvSpPr>
+        <p:spPr/>
+        <p:txBody>
+          <a:bodyPr/>
+          <a:lstStyle/>
+          <a:p>
+            <a:r>
+              <a:rPr lang="en-US" dirty="0"/>
+              <a:t>Let’s Code This </a:t>
+            </a:r>
+          </a:p>
+        </p:txBody>
+      </p:sp>
+      <p:pic>
+        <p:nvPicPr>
+          <p:cNvPr id="5" name="Content Placeholder 4" descr="A dog wearing glasses and a sweatshirt&#10;&#10;Description automatically generated">
+            <a:extLst>
+              <a:ext uri="{FF2B5EF4-FFF2-40B4-BE49-F238E27FC236}">
+                <a16:creationId xmlns:a16="http://schemas.microsoft.com/office/drawing/2014/main" id="{0442EE58-A43A-D7CB-C697-22083229591F}"/>
+              </a:ext>
+            </a:extLst>
+          </p:cNvPr>
+          <p:cNvPicPr>
+            <a:picLocks noGrp="1" noChangeAspect="1"/>
+          </p:cNvPicPr>
+          <p:nvPr>
+            <p:ph idx="1"/>
+          </p:nvPr>
+        </p:nvPicPr>
+        <p:blipFill>
+          <a:blip r:embed="rId2">
+            <a:extLst>
+              <a:ext uri="{28A0092B-C50C-407E-A947-70E740481C1C}">
+                <a14:useLocalDpi xmlns:a14="http://schemas.microsoft.com/office/drawing/2010/main" val="0"/>
+              </a:ext>
+            </a:extLst>
+          </a:blip>
+          <a:stretch>
+            <a:fillRect/>
+          </a:stretch>
+        </p:blipFill>
+        <p:spPr>
+          <a:xfrm>
+            <a:off x="1178560" y="1690688"/>
+            <a:ext cx="4267200" cy="2846222"/>
+          </a:xfrm>
+        </p:spPr>
+      </p:pic>
+    </p:spTree>
+    <p:extLst>
+      <p:ext uri="{BB962C8B-B14F-4D97-AF65-F5344CB8AC3E}">
+        <p14:creationId xmlns:p14="http://schemas.microsoft.com/office/powerpoint/2010/main" val="1411593376"/>
+      </p:ext>
+    </p:extLst>
+  </p:cSld>
+  <p:clrMapOvr>
+    <a:masterClrMapping/>
+  </p:clrMapOvr>
+</p:sld>
+</file>
+
+<file path=ppt/slides/slide35.xml><?xml version="1.0" encoding="utf-8"?>
+<p:sld xmlns:a="http://schemas.openxmlformats.org/drawingml/2006/main" xmlns:r="http://schemas.openxmlformats.org/officeDocument/2006/relationships" xmlns:p="http://schemas.openxmlformats.org/presentationml/2006/main">
+  <p:cSld>
+    <p:spTree>
+      <p:nvGrpSpPr>
+        <p:cNvPr id="1" name=""/>
+        <p:cNvGrpSpPr/>
+        <p:nvPr/>
+      </p:nvGrpSpPr>
+      <p:grpSpPr>
+        <a:xfrm>
+          <a:off x="0" y="0"/>
+          <a:ext cx="0" cy="0"/>
+          <a:chOff x="0" y="0"/>
+          <a:chExt cx="0" cy="0"/>
+        </a:xfrm>
+      </p:grpSpPr>
+      <p:sp>
+        <p:nvSpPr>
+          <p:cNvPr id="2" name="Title 1">
+            <a:extLst>
+              <a:ext uri="{FF2B5EF4-FFF2-40B4-BE49-F238E27FC236}">
+                <a16:creationId xmlns:a16="http://schemas.microsoft.com/office/drawing/2014/main" id="{C87B9650-3F61-8B18-8908-0F5773B27788}"/>
+              </a:ext>
+            </a:extLst>
+          </p:cNvPr>
+          <p:cNvSpPr>
+            <a:spLocks noGrp="1"/>
+          </p:cNvSpPr>
+          <p:nvPr>
+            <p:ph type="title"/>
+          </p:nvPr>
+        </p:nvSpPr>
+        <p:spPr/>
+        <p:txBody>
+          <a:bodyPr/>
+          <a:lstStyle/>
+          <a:p>
+            <a:r>
+              <a:rPr lang="en-US" dirty="0"/>
+              <a:t>Tricky Turns</a:t>
+            </a:r>
+          </a:p>
+        </p:txBody>
+      </p:sp>
+      <p:sp>
+        <p:nvSpPr>
+          <p:cNvPr id="3" name="Content Placeholder 2">
+            <a:extLst>
+              <a:ext uri="{FF2B5EF4-FFF2-40B4-BE49-F238E27FC236}">
+                <a16:creationId xmlns:a16="http://schemas.microsoft.com/office/drawing/2014/main" id="{B663EE70-1A56-58D6-B165-4A3E9E0FA8A3}"/>
+              </a:ext>
+            </a:extLst>
+          </p:cNvPr>
+          <p:cNvSpPr>
+            <a:spLocks noGrp="1"/>
+          </p:cNvSpPr>
+          <p:nvPr>
+            <p:ph idx="1"/>
+          </p:nvPr>
+        </p:nvSpPr>
+        <p:spPr/>
+        <p:txBody>
+          <a:bodyPr/>
+          <a:lstStyle/>
+          <a:p>
+            <a:r>
+              <a:rPr lang="en-US" dirty="0"/>
+              <a:t>Figuring out how the tell the robot to turn is a little challenging </a:t>
+            </a:r>
+          </a:p>
+          <a:p>
+            <a:r>
+              <a:rPr lang="en-US" dirty="0"/>
+              <a:t>Coordinate System rotates as the robot rotates  </a:t>
+            </a:r>
+          </a:p>
+        </p:txBody>
+      </p:sp>
+      <p:pic>
+        <p:nvPicPr>
+          <p:cNvPr id="5" name="Picture 4">
+            <a:extLst>
+              <a:ext uri="{FF2B5EF4-FFF2-40B4-BE49-F238E27FC236}">
+                <a16:creationId xmlns:a16="http://schemas.microsoft.com/office/drawing/2014/main" id="{6CA7790F-D166-6EC1-D8F4-2DF0FAA68D81}"/>
+              </a:ext>
+            </a:extLst>
+          </p:cNvPr>
+          <p:cNvPicPr>
+            <a:picLocks noChangeAspect="1"/>
+          </p:cNvPicPr>
+          <p:nvPr/>
+        </p:nvPicPr>
+        <p:blipFill>
+          <a:blip r:embed="rId2"/>
+          <a:stretch>
+            <a:fillRect/>
+          </a:stretch>
+        </p:blipFill>
+        <p:spPr>
+          <a:xfrm>
+            <a:off x="1519449" y="3739356"/>
+            <a:ext cx="1298258" cy="1298258"/>
+          </a:xfrm>
+          <a:prstGeom prst="rect">
+            <a:avLst/>
+          </a:prstGeom>
+        </p:spPr>
+      </p:pic>
+      <p:pic>
+        <p:nvPicPr>
+          <p:cNvPr id="6" name="Picture 5">
+            <a:extLst>
+              <a:ext uri="{FF2B5EF4-FFF2-40B4-BE49-F238E27FC236}">
+                <a16:creationId xmlns:a16="http://schemas.microsoft.com/office/drawing/2014/main" id="{5BFC45C0-6B90-8C8C-6AB2-E963A94305C1}"/>
+              </a:ext>
+            </a:extLst>
+          </p:cNvPr>
+          <p:cNvPicPr>
+            <a:picLocks noChangeAspect="1"/>
+          </p:cNvPicPr>
+          <p:nvPr/>
+        </p:nvPicPr>
+        <p:blipFill>
+          <a:blip r:embed="rId2"/>
+          <a:stretch>
+            <a:fillRect/>
+          </a:stretch>
+        </p:blipFill>
+        <p:spPr>
+          <a:xfrm rot="5400000">
+            <a:off x="3663209" y="3739356"/>
+            <a:ext cx="1298258" cy="1298258"/>
+          </a:xfrm>
+          <a:prstGeom prst="rect">
+            <a:avLst/>
+          </a:prstGeom>
+        </p:spPr>
+      </p:pic>
+      <p:pic>
+        <p:nvPicPr>
+          <p:cNvPr id="7" name="Picture 6">
+            <a:extLst>
+              <a:ext uri="{FF2B5EF4-FFF2-40B4-BE49-F238E27FC236}">
+                <a16:creationId xmlns:a16="http://schemas.microsoft.com/office/drawing/2014/main" id="{A2B58984-47CC-41D8-24CB-F6D8F2E49FB3}"/>
+              </a:ext>
+            </a:extLst>
+          </p:cNvPr>
+          <p:cNvPicPr>
+            <a:picLocks noChangeAspect="1"/>
+          </p:cNvPicPr>
+          <p:nvPr/>
+        </p:nvPicPr>
+        <p:blipFill>
+          <a:blip r:embed="rId2"/>
+          <a:stretch>
+            <a:fillRect/>
+          </a:stretch>
+        </p:blipFill>
+        <p:spPr>
+          <a:xfrm rot="10800000">
+            <a:off x="6016943" y="3739356"/>
+            <a:ext cx="1298258" cy="1298258"/>
+          </a:xfrm>
+          <a:prstGeom prst="rect">
+            <a:avLst/>
+          </a:prstGeom>
+        </p:spPr>
+      </p:pic>
+      <p:pic>
+        <p:nvPicPr>
+          <p:cNvPr id="8" name="Picture 7">
+            <a:extLst>
+              <a:ext uri="{FF2B5EF4-FFF2-40B4-BE49-F238E27FC236}">
+                <a16:creationId xmlns:a16="http://schemas.microsoft.com/office/drawing/2014/main" id="{33A8D723-3EBC-0AB0-18A3-5A2C871BB84D}"/>
+              </a:ext>
+            </a:extLst>
+          </p:cNvPr>
+          <p:cNvPicPr>
+            <a:picLocks noChangeAspect="1"/>
+          </p:cNvPicPr>
+          <p:nvPr/>
+        </p:nvPicPr>
+        <p:blipFill>
+          <a:blip r:embed="rId2"/>
+          <a:stretch>
+            <a:fillRect/>
+          </a:stretch>
+        </p:blipFill>
+        <p:spPr>
+          <a:xfrm rot="16200000">
+            <a:off x="8370676" y="3739356"/>
+            <a:ext cx="1298258" cy="1298258"/>
+          </a:xfrm>
+          <a:prstGeom prst="rect">
+            <a:avLst/>
+          </a:prstGeom>
+        </p:spPr>
+      </p:pic>
+    </p:spTree>
+    <p:extLst>
+      <p:ext uri="{BB962C8B-B14F-4D97-AF65-F5344CB8AC3E}">
+        <p14:creationId xmlns:p14="http://schemas.microsoft.com/office/powerpoint/2010/main" val="2372333928"/>
+      </p:ext>
+    </p:extLst>
+  </p:cSld>
+  <p:clrMapOvr>
+    <a:masterClrMapping/>
+  </p:clrMapOvr>
+</p:sld>
+</file>
+
+<file path=ppt/slides/slide36.xml><?xml version="1.0" encoding="utf-8"?>
+<p:sld xmlns:a="http://schemas.openxmlformats.org/drawingml/2006/main" xmlns:r="http://schemas.openxmlformats.org/officeDocument/2006/relationships" xmlns:p="http://schemas.openxmlformats.org/presentationml/2006/main">
+  <p:cSld>
+    <p:spTree>
+      <p:nvGrpSpPr>
+        <p:cNvPr id="1" name=""/>
+        <p:cNvGrpSpPr/>
+        <p:nvPr/>
+      </p:nvGrpSpPr>
+      <p:grpSpPr>
+        <a:xfrm>
+          <a:off x="0" y="0"/>
+          <a:ext cx="0" cy="0"/>
+          <a:chOff x="0" y="0"/>
+          <a:chExt cx="0" cy="0"/>
+        </a:xfrm>
+      </p:grpSpPr>
+      <p:sp>
+        <p:nvSpPr>
+          <p:cNvPr id="2" name="Title 1">
+            <a:extLst>
+              <a:ext uri="{FF2B5EF4-FFF2-40B4-BE49-F238E27FC236}">
+                <a16:creationId xmlns:a16="http://schemas.microsoft.com/office/drawing/2014/main" id="{C931C196-CB03-5358-8932-EF62B0499F8A}"/>
+              </a:ext>
+            </a:extLst>
+          </p:cNvPr>
+          <p:cNvSpPr>
+            <a:spLocks noGrp="1"/>
+          </p:cNvSpPr>
+          <p:nvPr>
+            <p:ph type="title"/>
+          </p:nvPr>
+        </p:nvSpPr>
+        <p:spPr/>
+        <p:txBody>
+          <a:bodyPr/>
+          <a:lstStyle/>
+          <a:p>
+            <a:r>
+              <a:rPr lang="en-US" dirty="0"/>
+              <a:t>What We Know</a:t>
+            </a:r>
+          </a:p>
+        </p:txBody>
+      </p:sp>
+      <p:sp>
+        <p:nvSpPr>
+          <p:cNvPr id="3" name="Content Placeholder 2">
+            <a:extLst>
+              <a:ext uri="{FF2B5EF4-FFF2-40B4-BE49-F238E27FC236}">
+                <a16:creationId xmlns:a16="http://schemas.microsoft.com/office/drawing/2014/main" id="{3577CE8D-4CC3-ADF0-A139-D53B0D8D3FAF}"/>
+              </a:ext>
+            </a:extLst>
+          </p:cNvPr>
+          <p:cNvSpPr>
+            <a:spLocks noGrp="1"/>
+          </p:cNvSpPr>
+          <p:nvPr>
+            <p:ph idx="1"/>
+          </p:nvPr>
+        </p:nvSpPr>
+        <p:spPr/>
+        <p:txBody>
+          <a:bodyPr/>
+          <a:lstStyle/>
+          <a:p>
+            <a:r>
+              <a:rPr lang="en-US" dirty="0"/>
+              <a:t>The path only changes by 1 square in either of the cardinal directions </a:t>
+            </a:r>
+          </a:p>
+          <a:p>
+            <a:pPr lvl="1"/>
+            <a:r>
+              <a:rPr lang="en-US" dirty="0"/>
+              <a:t>No diagonals! </a:t>
+            </a:r>
+          </a:p>
+          <a:p>
+            <a:endParaRPr lang="en-US" dirty="0"/>
+          </a:p>
+          <a:p>
+            <a:r>
+              <a:rPr lang="en-US" dirty="0"/>
+              <a:t>The path only goes forward </a:t>
+            </a:r>
+          </a:p>
+          <a:p>
+            <a:r>
+              <a:rPr lang="en-US" dirty="0"/>
+              <a:t>We assume the robot will start at the same heading </a:t>
+            </a:r>
+          </a:p>
+          <a:p>
+            <a:endParaRPr lang="en-US" dirty="0"/>
+          </a:p>
+          <a:p>
+            <a:r>
+              <a:rPr lang="en-US" dirty="0"/>
+              <a:t>The path is returned to us as a series of squares </a:t>
+            </a:r>
+          </a:p>
+        </p:txBody>
+      </p:sp>
+      <p:pic>
+        <p:nvPicPr>
+          <p:cNvPr id="4" name="Picture 3">
+            <a:extLst>
+              <a:ext uri="{FF2B5EF4-FFF2-40B4-BE49-F238E27FC236}">
+                <a16:creationId xmlns:a16="http://schemas.microsoft.com/office/drawing/2014/main" id="{82B9CB35-1A0A-C973-9327-0D28D543C736}"/>
+              </a:ext>
+            </a:extLst>
+          </p:cNvPr>
+          <p:cNvPicPr>
+            <a:picLocks noChangeAspect="1"/>
+          </p:cNvPicPr>
+          <p:nvPr/>
+        </p:nvPicPr>
+        <p:blipFill>
+          <a:blip r:embed="rId2"/>
+          <a:stretch>
+            <a:fillRect/>
+          </a:stretch>
+        </p:blipFill>
+        <p:spPr>
+          <a:xfrm>
+            <a:off x="8949319" y="3806613"/>
+            <a:ext cx="797507" cy="797507"/>
+          </a:xfrm>
+          <a:prstGeom prst="rect">
+            <a:avLst/>
+          </a:prstGeom>
+        </p:spPr>
+      </p:pic>
+    </p:spTree>
+    <p:extLst>
+      <p:ext uri="{BB962C8B-B14F-4D97-AF65-F5344CB8AC3E}">
+        <p14:creationId xmlns:p14="http://schemas.microsoft.com/office/powerpoint/2010/main" val="1746163304"/>
+      </p:ext>
+    </p:extLst>
+  </p:cSld>
+  <p:clrMapOvr>
+    <a:masterClrMapping/>
+  </p:clrMapOvr>
+</p:sld>
+</file>
+
+<file path=ppt/slides/slide37.xml><?xml version="1.0" encoding="utf-8"?>
+<p:sld xmlns:a="http://schemas.openxmlformats.org/drawingml/2006/main" xmlns:r="http://schemas.openxmlformats.org/officeDocument/2006/relationships" xmlns:p="http://schemas.openxmlformats.org/presentationml/2006/main">
+  <p:cSld>
+    <p:spTree>
+      <p:nvGrpSpPr>
+        <p:cNvPr id="1" name=""/>
+        <p:cNvGrpSpPr/>
+        <p:nvPr/>
+      </p:nvGrpSpPr>
+      <p:grpSpPr>
+        <a:xfrm>
+          <a:off x="0" y="0"/>
+          <a:ext cx="0" cy="0"/>
+          <a:chOff x="0" y="0"/>
+          <a:chExt cx="0" cy="0"/>
+        </a:xfrm>
+      </p:grpSpPr>
+      <p:sp>
+        <p:nvSpPr>
+          <p:cNvPr id="2" name="Title 1">
+            <a:extLst>
+              <a:ext uri="{FF2B5EF4-FFF2-40B4-BE49-F238E27FC236}">
+                <a16:creationId xmlns:a16="http://schemas.microsoft.com/office/drawing/2014/main" id="{B3C765A4-036B-B05D-F81B-C4B0CA46EA4C}"/>
+              </a:ext>
+            </a:extLst>
+          </p:cNvPr>
+          <p:cNvSpPr>
+            <a:spLocks noGrp="1"/>
+          </p:cNvSpPr>
+          <p:nvPr>
+            <p:ph type="title"/>
+          </p:nvPr>
+        </p:nvSpPr>
+        <p:spPr/>
+        <p:txBody>
+          <a:bodyPr/>
+          <a:lstStyle/>
+          <a:p>
+            <a:r>
+              <a:rPr lang="en-US" dirty="0"/>
+              <a:t>Defining a Coordinate System for Rotation </a:t>
+            </a:r>
+          </a:p>
+        </p:txBody>
+      </p:sp>
+      <p:sp>
+        <p:nvSpPr>
+          <p:cNvPr id="3" name="Content Placeholder 2">
+            <a:extLst>
+              <a:ext uri="{FF2B5EF4-FFF2-40B4-BE49-F238E27FC236}">
+                <a16:creationId xmlns:a16="http://schemas.microsoft.com/office/drawing/2014/main" id="{928988D9-4F27-468C-C1B6-0B6D6D5D8985}"/>
+              </a:ext>
+            </a:extLst>
+          </p:cNvPr>
+          <p:cNvSpPr>
+            <a:spLocks noGrp="1"/>
+          </p:cNvSpPr>
+          <p:nvPr>
+            <p:ph idx="1"/>
+          </p:nvPr>
+        </p:nvSpPr>
+        <p:spPr/>
+        <p:txBody>
+          <a:bodyPr>
+            <a:normAutofit lnSpcReduction="10000"/>
+          </a:bodyPr>
+          <a:lstStyle/>
+          <a:p>
+            <a:r>
+              <a:rPr lang="en-US" dirty="0"/>
+              <a:t>Assume positive angles are counter-clockwise</a:t>
+            </a:r>
+          </a:p>
+          <a:p>
+            <a:endParaRPr lang="en-US" dirty="0"/>
+          </a:p>
+          <a:p>
+            <a:endParaRPr lang="en-US" dirty="0"/>
+          </a:p>
+          <a:p>
+            <a:endParaRPr lang="en-US" dirty="0"/>
+          </a:p>
+          <a:p>
+            <a:endParaRPr lang="en-US" dirty="0"/>
+          </a:p>
+          <a:p>
+            <a:endParaRPr lang="en-US" dirty="0"/>
+          </a:p>
+          <a:p>
+            <a:endParaRPr lang="en-US" dirty="0"/>
+          </a:p>
+          <a:p>
+            <a:endParaRPr lang="en-US" dirty="0"/>
+          </a:p>
+          <a:p>
+            <a:r>
+              <a:rPr lang="en-US" dirty="0"/>
+              <a:t>Need to tell robot to turn left x number of degrees </a:t>
+            </a:r>
+          </a:p>
+          <a:p>
+            <a:endParaRPr lang="en-US" dirty="0"/>
+          </a:p>
+          <a:p>
+            <a:pPr marL="0" indent="0">
+              <a:buNone/>
+            </a:pPr>
+            <a:endParaRPr lang="en-US" dirty="0"/>
+          </a:p>
+          <a:p>
+            <a:pPr marL="0" indent="0">
+              <a:buNone/>
+            </a:pPr>
+            <a:endParaRPr lang="en-US" dirty="0"/>
+          </a:p>
+          <a:p>
+            <a:pPr marL="0" indent="0">
+              <a:buNone/>
+            </a:pPr>
+            <a:endParaRPr lang="en-US" dirty="0"/>
+          </a:p>
+          <a:p>
+            <a:pPr marL="0" indent="0">
+              <a:buNone/>
+            </a:pPr>
+            <a:endParaRPr lang="en-US" dirty="0"/>
+          </a:p>
+        </p:txBody>
+      </p:sp>
+      <p:pic>
+        <p:nvPicPr>
+          <p:cNvPr id="4" name="Picture 3">
+            <a:extLst>
+              <a:ext uri="{FF2B5EF4-FFF2-40B4-BE49-F238E27FC236}">
+                <a16:creationId xmlns:a16="http://schemas.microsoft.com/office/drawing/2014/main" id="{6CC9C939-EB58-39B6-1EBC-EDF70ADE7A07}"/>
+              </a:ext>
+            </a:extLst>
+          </p:cNvPr>
+          <p:cNvPicPr>
+            <a:picLocks noChangeAspect="1"/>
+          </p:cNvPicPr>
+          <p:nvPr/>
+        </p:nvPicPr>
+        <p:blipFill>
+          <a:blip r:embed="rId2"/>
+          <a:stretch>
+            <a:fillRect/>
+          </a:stretch>
+        </p:blipFill>
+        <p:spPr>
+          <a:xfrm rot="5400000">
+            <a:off x="3256809" y="3258450"/>
+            <a:ext cx="1298258" cy="1298258"/>
+          </a:xfrm>
+          <a:prstGeom prst="rect">
+            <a:avLst/>
+          </a:prstGeom>
+        </p:spPr>
+      </p:pic>
+    </p:spTree>
+    <p:extLst>
+      <p:ext uri="{BB962C8B-B14F-4D97-AF65-F5344CB8AC3E}">
+        <p14:creationId xmlns:p14="http://schemas.microsoft.com/office/powerpoint/2010/main" val="3467521567"/>
+      </p:ext>
+    </p:extLst>
+  </p:cSld>
+  <p:clrMapOvr>
+    <a:masterClrMapping/>
+  </p:clrMapOvr>
+</p:sld>
+</file>
+
+<file path=ppt/slides/slide38.xml><?xml version="1.0" encoding="utf-8"?>
+<p:sld xmlns:a="http://schemas.openxmlformats.org/drawingml/2006/main" xmlns:r="http://schemas.openxmlformats.org/officeDocument/2006/relationships" xmlns:p="http://schemas.openxmlformats.org/presentationml/2006/main">
+  <p:cSld>
+    <p:spTree>
+      <p:nvGrpSpPr>
+        <p:cNvPr id="1" name=""/>
+        <p:cNvGrpSpPr/>
+        <p:nvPr/>
+      </p:nvGrpSpPr>
+      <p:grpSpPr>
+        <a:xfrm>
+          <a:off x="0" y="0"/>
+          <a:ext cx="0" cy="0"/>
+          <a:chOff x="0" y="0"/>
+          <a:chExt cx="0" cy="0"/>
+        </a:xfrm>
+      </p:grpSpPr>
+      <p:sp>
+        <p:nvSpPr>
+          <p:cNvPr id="2" name="Title 1">
+            <a:extLst>
+              <a:ext uri="{FF2B5EF4-FFF2-40B4-BE49-F238E27FC236}">
+                <a16:creationId xmlns:a16="http://schemas.microsoft.com/office/drawing/2014/main" id="{2428F8F7-3F83-D9F0-EB7A-67019D396EF4}"/>
+              </a:ext>
+            </a:extLst>
+          </p:cNvPr>
+          <p:cNvSpPr>
+            <a:spLocks noGrp="1"/>
+          </p:cNvSpPr>
+          <p:nvPr>
+            <p:ph type="title"/>
+          </p:nvPr>
+        </p:nvSpPr>
+        <p:spPr/>
+        <p:txBody>
+          <a:bodyPr/>
+          <a:lstStyle/>
+          <a:p>
+            <a:r>
+              <a:rPr lang="en-US" dirty="0"/>
+              <a:t>Simulating an IMU  </a:t>
+            </a:r>
+          </a:p>
+        </p:txBody>
+      </p:sp>
+      <p:sp>
+        <p:nvSpPr>
+          <p:cNvPr id="4" name="Rectangle 3">
+            <a:extLst>
+              <a:ext uri="{FF2B5EF4-FFF2-40B4-BE49-F238E27FC236}">
+                <a16:creationId xmlns:a16="http://schemas.microsoft.com/office/drawing/2014/main" id="{23F1FE34-AD6B-48D0-77EB-98BB1E2F2F52}"/>
+              </a:ext>
+            </a:extLst>
+          </p:cNvPr>
+          <p:cNvSpPr/>
+          <p:nvPr/>
+        </p:nvSpPr>
+        <p:spPr>
+          <a:xfrm>
+            <a:off x="4544907" y="3176693"/>
+            <a:ext cx="1903307" cy="1639147"/>
+          </a:xfrm>
+          <a:prstGeom prst="rect">
+            <a:avLst/>
+          </a:prstGeom>
+          <a:noFill/>
+          <a:ln w="38100">
+            <a:solidFill>
+              <a:schemeClr val="tx1"/>
+            </a:solidFill>
+          </a:ln>
+        </p:spPr>
+        <p:style>
+          <a:lnRef idx="2">
+            <a:schemeClr val="accent1">
+              <a:shade val="15000"/>
+            </a:schemeClr>
+          </a:lnRef>
+          <a:fillRef idx="1">
+            <a:schemeClr val="accent1"/>
+          </a:fillRef>
+          <a:effectRef idx="0">
+            <a:schemeClr val="accent1"/>
+          </a:effectRef>
+          <a:fontRef idx="minor">
+            <a:schemeClr val="lt1"/>
+          </a:fontRef>
+        </p:style>
+        <p:txBody>
+          <a:bodyPr rtlCol="0" anchor="ctr"/>
+          <a:lstStyle/>
+          <a:p>
+            <a:pPr algn="ctr"/>
+            <a:endParaRPr lang="en-US"/>
+          </a:p>
+        </p:txBody>
+      </p:sp>
+      <p:sp>
+        <p:nvSpPr>
+          <p:cNvPr id="5" name="Rectangle 4">
+            <a:extLst>
+              <a:ext uri="{FF2B5EF4-FFF2-40B4-BE49-F238E27FC236}">
+                <a16:creationId xmlns:a16="http://schemas.microsoft.com/office/drawing/2014/main" id="{ECA2F4A0-98E5-B30B-4AB0-050936FD939D}"/>
+              </a:ext>
+            </a:extLst>
+          </p:cNvPr>
+          <p:cNvSpPr/>
+          <p:nvPr/>
+        </p:nvSpPr>
+        <p:spPr>
+          <a:xfrm>
+            <a:off x="4544907" y="1537546"/>
+            <a:ext cx="1903307" cy="1639147"/>
+          </a:xfrm>
+          <a:prstGeom prst="rect">
+            <a:avLst/>
+          </a:prstGeom>
+          <a:noFill/>
+          <a:ln w="38100">
+            <a:solidFill>
+              <a:schemeClr val="tx1"/>
+            </a:solidFill>
+          </a:ln>
+        </p:spPr>
+        <p:style>
+          <a:lnRef idx="2">
+            <a:schemeClr val="accent1">
+              <a:shade val="15000"/>
+            </a:schemeClr>
+          </a:lnRef>
+          <a:fillRef idx="1">
+            <a:schemeClr val="accent1"/>
+          </a:fillRef>
+          <a:effectRef idx="0">
+            <a:schemeClr val="accent1"/>
+          </a:effectRef>
+          <a:fontRef idx="minor">
+            <a:schemeClr val="lt1"/>
+          </a:fontRef>
+        </p:style>
+        <p:txBody>
+          <a:bodyPr rtlCol="0" anchor="ctr"/>
+          <a:lstStyle/>
+          <a:p>
+            <a:pPr algn="ctr"/>
+            <a:endParaRPr lang="en-US"/>
+          </a:p>
+        </p:txBody>
+      </p:sp>
+      <p:sp>
+        <p:nvSpPr>
+          <p:cNvPr id="6" name="Rectangle 5">
+            <a:extLst>
+              <a:ext uri="{FF2B5EF4-FFF2-40B4-BE49-F238E27FC236}">
+                <a16:creationId xmlns:a16="http://schemas.microsoft.com/office/drawing/2014/main" id="{88E84831-301C-F253-0D44-F15AA391A9E1}"/>
+              </a:ext>
+            </a:extLst>
+          </p:cNvPr>
+          <p:cNvSpPr/>
+          <p:nvPr/>
+        </p:nvSpPr>
+        <p:spPr>
+          <a:xfrm>
+            <a:off x="6448214" y="3176693"/>
+            <a:ext cx="1903307" cy="1639147"/>
+          </a:xfrm>
+          <a:prstGeom prst="rect">
+            <a:avLst/>
+          </a:prstGeom>
+          <a:noFill/>
+          <a:ln w="38100">
+            <a:solidFill>
+              <a:schemeClr val="tx1"/>
+            </a:solidFill>
+          </a:ln>
+        </p:spPr>
+        <p:style>
+          <a:lnRef idx="2">
+            <a:schemeClr val="accent1">
+              <a:shade val="15000"/>
+            </a:schemeClr>
+          </a:lnRef>
+          <a:fillRef idx="1">
+            <a:schemeClr val="accent1"/>
+          </a:fillRef>
+          <a:effectRef idx="0">
+            <a:schemeClr val="accent1"/>
+          </a:effectRef>
+          <a:fontRef idx="minor">
+            <a:schemeClr val="lt1"/>
+          </a:fontRef>
+        </p:style>
+        <p:txBody>
+          <a:bodyPr rtlCol="0" anchor="ctr"/>
+          <a:lstStyle/>
+          <a:p>
+            <a:pPr algn="ctr"/>
+            <a:endParaRPr lang="en-US"/>
+          </a:p>
+        </p:txBody>
+      </p:sp>
+      <p:sp>
+        <p:nvSpPr>
+          <p:cNvPr id="7" name="Rectangle 6">
+            <a:extLst>
+              <a:ext uri="{FF2B5EF4-FFF2-40B4-BE49-F238E27FC236}">
+                <a16:creationId xmlns:a16="http://schemas.microsoft.com/office/drawing/2014/main" id="{BE9EED90-8D0F-6B3E-FC24-A72ACE41AF27}"/>
+              </a:ext>
+            </a:extLst>
+          </p:cNvPr>
+          <p:cNvSpPr/>
+          <p:nvPr/>
+        </p:nvSpPr>
+        <p:spPr>
+          <a:xfrm>
+            <a:off x="2641600" y="3176692"/>
+            <a:ext cx="1903307" cy="1639147"/>
+          </a:xfrm>
+          <a:prstGeom prst="rect">
+            <a:avLst/>
+          </a:prstGeom>
+          <a:noFill/>
+          <a:ln w="38100">
+            <a:solidFill>
+              <a:schemeClr val="tx1"/>
+            </a:solidFill>
+          </a:ln>
+        </p:spPr>
+        <p:style>
+          <a:lnRef idx="2">
+            <a:schemeClr val="accent1">
+              <a:shade val="15000"/>
+            </a:schemeClr>
+          </a:lnRef>
+          <a:fillRef idx="1">
+            <a:schemeClr val="accent1"/>
+          </a:fillRef>
+          <a:effectRef idx="0">
+            <a:schemeClr val="accent1"/>
+          </a:effectRef>
+          <a:fontRef idx="minor">
+            <a:schemeClr val="lt1"/>
+          </a:fontRef>
+        </p:style>
+        <p:txBody>
+          <a:bodyPr rtlCol="0" anchor="ctr"/>
+          <a:lstStyle/>
+          <a:p>
+            <a:pPr algn="ctr"/>
+            <a:endParaRPr lang="en-US"/>
+          </a:p>
+        </p:txBody>
+      </p:sp>
+      <p:sp>
+        <p:nvSpPr>
+          <p:cNvPr id="8" name="Rectangle 7">
+            <a:extLst>
+              <a:ext uri="{FF2B5EF4-FFF2-40B4-BE49-F238E27FC236}">
+                <a16:creationId xmlns:a16="http://schemas.microsoft.com/office/drawing/2014/main" id="{5D33CF0C-B2EA-7D2E-BD45-96453ED3EBC0}"/>
+              </a:ext>
+            </a:extLst>
+          </p:cNvPr>
+          <p:cNvSpPr/>
+          <p:nvPr/>
+        </p:nvSpPr>
+        <p:spPr>
+          <a:xfrm>
+            <a:off x="4544905" y="4830656"/>
+            <a:ext cx="1903307" cy="1639147"/>
+          </a:xfrm>
+          <a:prstGeom prst="rect">
+            <a:avLst/>
+          </a:prstGeom>
+          <a:noFill/>
+          <a:ln w="38100">
+            <a:solidFill>
+              <a:schemeClr val="tx1"/>
+            </a:solidFill>
+          </a:ln>
+        </p:spPr>
+        <p:style>
+          <a:lnRef idx="2">
+            <a:schemeClr val="accent1">
+              <a:shade val="15000"/>
+            </a:schemeClr>
+          </a:lnRef>
+          <a:fillRef idx="1">
+            <a:schemeClr val="accent1"/>
+          </a:fillRef>
+          <a:effectRef idx="0">
+            <a:schemeClr val="accent1"/>
+          </a:effectRef>
+          <a:fontRef idx="minor">
+            <a:schemeClr val="lt1"/>
+          </a:fontRef>
+        </p:style>
+        <p:txBody>
+          <a:bodyPr rtlCol="0" anchor="ctr"/>
+          <a:lstStyle/>
+          <a:p>
+            <a:pPr algn="ctr"/>
+            <a:endParaRPr lang="en-US"/>
+          </a:p>
+        </p:txBody>
+      </p:sp>
+      <p:pic>
+        <p:nvPicPr>
+          <p:cNvPr id="9" name="Picture 8">
+            <a:extLst>
+              <a:ext uri="{FF2B5EF4-FFF2-40B4-BE49-F238E27FC236}">
+                <a16:creationId xmlns:a16="http://schemas.microsoft.com/office/drawing/2014/main" id="{18EB59E7-C3FB-C5F0-C7D2-9FF01B809987}"/>
+              </a:ext>
+            </a:extLst>
+          </p:cNvPr>
+          <p:cNvPicPr>
+            <a:picLocks noChangeAspect="1"/>
+          </p:cNvPicPr>
+          <p:nvPr/>
+        </p:nvPicPr>
+        <p:blipFill>
+          <a:blip r:embed="rId2"/>
+          <a:stretch>
+            <a:fillRect/>
+          </a:stretch>
+        </p:blipFill>
+        <p:spPr>
+          <a:xfrm>
+            <a:off x="5097807" y="3551607"/>
+            <a:ext cx="797507" cy="797507"/>
+          </a:xfrm>
+          <a:prstGeom prst="rect">
+            <a:avLst/>
+          </a:prstGeom>
+        </p:spPr>
+      </p:pic>
+    </p:spTree>
+    <p:extLst>
+      <p:ext uri="{BB962C8B-B14F-4D97-AF65-F5344CB8AC3E}">
+        <p14:creationId xmlns:p14="http://schemas.microsoft.com/office/powerpoint/2010/main" val="468611998"/>
+      </p:ext>
+    </p:extLst>
+  </p:cSld>
+  <p:clrMapOvr>
+    <a:masterClrMapping/>
+  </p:clrMapOvr>
+</p:sld>
+</file>
+
+<file path=ppt/slides/slide39.xml><?xml version="1.0" encoding="utf-8"?>
+<p:sld xmlns:a="http://schemas.openxmlformats.org/drawingml/2006/main" xmlns:r="http://schemas.openxmlformats.org/officeDocument/2006/relationships" xmlns:p="http://schemas.openxmlformats.org/presentationml/2006/main">
+  <p:cSld>
+    <p:spTree>
+      <p:nvGrpSpPr>
+        <p:cNvPr id="1" name=""/>
+        <p:cNvGrpSpPr/>
+        <p:nvPr/>
+      </p:nvGrpSpPr>
+      <p:grpSpPr>
+        <a:xfrm>
+          <a:off x="0" y="0"/>
+          <a:ext cx="0" cy="0"/>
+          <a:chOff x="0" y="0"/>
+          <a:chExt cx="0" cy="0"/>
+        </a:xfrm>
+      </p:grpSpPr>
+      <p:sp>
+        <p:nvSpPr>
+          <p:cNvPr id="2" name="Title 1">
+            <a:extLst>
+              <a:ext uri="{FF2B5EF4-FFF2-40B4-BE49-F238E27FC236}">
+                <a16:creationId xmlns:a16="http://schemas.microsoft.com/office/drawing/2014/main" id="{2E63DA56-3EDF-5E91-D663-0EF2728A4FAB}"/>
+              </a:ext>
+            </a:extLst>
+          </p:cNvPr>
+          <p:cNvSpPr>
+            <a:spLocks noGrp="1"/>
+          </p:cNvSpPr>
+          <p:nvPr>
+            <p:ph type="title"/>
+          </p:nvPr>
+        </p:nvSpPr>
+        <p:spPr/>
+        <p:txBody>
+          <a:bodyPr/>
+          <a:lstStyle/>
+          <a:p>
+            <a:r>
+              <a:rPr lang="en-US" dirty="0"/>
+              <a:t>Let’s Code This </a:t>
+            </a:r>
+          </a:p>
+        </p:txBody>
+      </p:sp>
+      <p:pic>
+        <p:nvPicPr>
+          <p:cNvPr id="5" name="Content Placeholder 4" descr="A dog wearing glasses and a sweatshirt&#10;&#10;Description automatically generated">
+            <a:extLst>
+              <a:ext uri="{FF2B5EF4-FFF2-40B4-BE49-F238E27FC236}">
+                <a16:creationId xmlns:a16="http://schemas.microsoft.com/office/drawing/2014/main" id="{0442EE58-A43A-D7CB-C697-22083229591F}"/>
+              </a:ext>
+            </a:extLst>
+          </p:cNvPr>
+          <p:cNvPicPr>
+            <a:picLocks noGrp="1" noChangeAspect="1"/>
+          </p:cNvPicPr>
+          <p:nvPr>
+            <p:ph idx="1"/>
+          </p:nvPr>
+        </p:nvPicPr>
+        <p:blipFill>
+          <a:blip r:embed="rId2">
+            <a:extLst>
+              <a:ext uri="{28A0092B-C50C-407E-A947-70E740481C1C}">
+                <a14:useLocalDpi xmlns:a14="http://schemas.microsoft.com/office/drawing/2010/main" val="0"/>
+              </a:ext>
+            </a:extLst>
+          </a:blip>
+          <a:stretch>
+            <a:fillRect/>
+          </a:stretch>
+        </p:blipFill>
+        <p:spPr>
+          <a:xfrm>
+            <a:off x="1178560" y="1690688"/>
+            <a:ext cx="4267200" cy="2846222"/>
+          </a:xfrm>
+        </p:spPr>
+      </p:pic>
+    </p:spTree>
+    <p:extLst>
+      <p:ext uri="{BB962C8B-B14F-4D97-AF65-F5344CB8AC3E}">
+        <p14:creationId xmlns:p14="http://schemas.microsoft.com/office/powerpoint/2010/main" val="2202538669"/>
+      </p:ext>
+    </p:extLst>
+  </p:cSld>
+  <p:clrMapOvr>
+    <a:masterClrMapping/>
+  </p:clrMapOvr>
+</p:sld>
+</file>
+
 <file path=ppt/slides/slide4.xml><?xml version="1.0" encoding="utf-8"?>
 <p:sld xmlns:a="http://schemas.openxmlformats.org/drawingml/2006/main" xmlns:r="http://schemas.openxmlformats.org/officeDocument/2006/relationships" xmlns:p="http://schemas.openxmlformats.org/presentationml/2006/main">
   <p:cSld>
